--- a/slides/day 1/D1C2_LR_introANNs.pptx
+++ b/slides/day 1/D1C2_LR_introANNs.pptx
@@ -223,7 +223,7 @@
           <a:p>
             <a:fld id="{FF5685EE-3D40-0A4E-BB88-46887330FC0A}" type="datetimeFigureOut">
               <a:rPr lang="en-US" smtClean="0"/>
-              <a:t>10/5/2025</a:t>
+              <a:t>10/6/2025</a:t>
             </a:fld>
             <a:endParaRPr lang="en-US"/>
           </a:p>
@@ -768,7 +768,7 @@
             <a:fld id="{16F2FB5F-D553-C945-B874-A642CC0C851F}" type="datetime3">
               <a:rPr lang="en-IE" smtClean="0"/>
               <a:pPr/>
-              <a:t>5 October 2025</a:t>
+              <a:t>6 October 2025</a:t>
             </a:fld>
             <a:endParaRPr lang="en-US" dirty="0"/>
           </a:p>
@@ -1639,7 +1639,7 @@
             <a:fld id="{16F2FB5F-D553-C945-B874-A642CC0C851F}" type="datetime3">
               <a:rPr lang="en-IE" smtClean="0"/>
               <a:pPr/>
-              <a:t>5 October 2025</a:t>
+              <a:t>6 October 2025</a:t>
             </a:fld>
             <a:endParaRPr lang="en-US" dirty="0"/>
           </a:p>
@@ -1851,7 +1851,7 @@
             <a:fld id="{16F2FB5F-D553-C945-B874-A642CC0C851F}" type="datetime3">
               <a:rPr lang="en-IE" smtClean="0"/>
               <a:pPr/>
-              <a:t>5 October 2025</a:t>
+              <a:t>6 October 2025</a:t>
             </a:fld>
             <a:endParaRPr lang="en-US" dirty="0"/>
           </a:p>
@@ -2026,7 +2026,7 @@
           <a:p>
             <a:fld id="{BEF41344-4D35-F145-B477-F6239A2130EE}" type="datetime3">
               <a:rPr lang="en-IE" smtClean="0"/>
-              <a:t>5 October 2025</a:t>
+              <a:t>6 October 2025</a:t>
             </a:fld>
             <a:endParaRPr lang="en-US"/>
           </a:p>
@@ -2302,7 +2302,7 @@
           <a:p>
             <a:fld id="{07196900-CA2A-2D43-9641-C5C0DD2D22D3}" type="datetime3">
               <a:rPr lang="en-IE" smtClean="0"/>
-              <a:t>5 October 2025</a:t>
+              <a:t>6 October 2025</a:t>
             </a:fld>
             <a:endParaRPr lang="en-US"/>
           </a:p>
@@ -2570,7 +2570,7 @@
           <a:p>
             <a:fld id="{8AB1A910-F8E0-D541-83F2-2CFD6E718762}" type="datetime3">
               <a:rPr lang="en-IE" smtClean="0"/>
-              <a:t>5 October 2025</a:t>
+              <a:t>6 October 2025</a:t>
             </a:fld>
             <a:endParaRPr lang="en-US"/>
           </a:p>
@@ -2712,7 +2712,7 @@
           <a:p>
             <a:fld id="{7E245B59-D3F3-5B43-BDD1-6C7B7CFD2AA6}" type="datetime3">
               <a:rPr lang="en-IE" smtClean="0"/>
-              <a:t>5 October 2025</a:t>
+              <a:t>6 October 2025</a:t>
             </a:fld>
             <a:endParaRPr lang="en-US"/>
           </a:p>
@@ -2825,7 +2825,7 @@
           <a:p>
             <a:fld id="{AD77DDCF-3644-8C44-AE36-2C59F897E125}" type="datetime3">
               <a:rPr lang="en-IE" smtClean="0"/>
-              <a:t>5 October 2025</a:t>
+              <a:t>6 October 2025</a:t>
             </a:fld>
             <a:endParaRPr lang="en-US"/>
           </a:p>
@@ -3236,7 +3236,7 @@
           <a:p>
             <a:fld id="{C1B28D5F-B017-3B47-9775-DA319F6143FF}" type="datetime3">
               <a:rPr lang="en-IE" smtClean="0"/>
-              <a:t>5 October 2025</a:t>
+              <a:t>6 October 2025</a:t>
             </a:fld>
             <a:endParaRPr lang="en-US" dirty="0"/>
           </a:p>
@@ -11171,15 +11171,15 @@
             </a:pPr>
             <a:r>
               <a:rPr lang="en-US" dirty="0"/>
-              <a:t>Prepare a short (5 minute) group presentation on one aspect you found interesting that’s </a:t>
+              <a:t>Prepare a short (5 minute) and simple group presentation that </a:t>
             </a:r>
             <a:r>
-              <a:rPr lang="en-US" b="1" dirty="0"/>
-              <a:t>not</a:t>
+              <a:rPr lang="en-US" dirty="0" err="1"/>
+              <a:t>summarises</a:t>
             </a:r>
             <a:r>
               <a:rPr lang="en-US" dirty="0"/>
-              <a:t> about the neural networks they used</a:t>
+              <a:t> the paper. All members of group must present.</a:t>
             </a:r>
           </a:p>
           <a:p>
@@ -11276,8 +11276,8 @@
           </a:p>
         </p:txBody>
       </p:sp>
-      <mc:AlternateContent xmlns:mc="http://schemas.openxmlformats.org/markup-compatibility/2006">
-        <mc:Choice xmlns:a14="http://schemas.microsoft.com/office/drawing/2010/main" Requires="a14">
+      <mc:AlternateContent xmlns:mc="http://schemas.openxmlformats.org/markup-compatibility/2006" xmlns:a14="http://schemas.microsoft.com/office/drawing/2010/main">
+        <mc:Choice Requires="a14">
           <p:sp>
             <p:nvSpPr>
               <p:cNvPr id="3" name="Content Placeholder 2">
@@ -11396,7 +11396,7 @@
             </p:txBody>
           </p:sp>
         </mc:Choice>
-        <mc:Fallback>
+        <mc:Fallback xmlns="">
           <p:sp>
             <p:nvSpPr>
               <p:cNvPr id="3" name="Content Placeholder 2">
@@ -13298,8 +13298,8 @@
           </a:p>
         </p:txBody>
       </p:sp>
-      <mc:AlternateContent xmlns:mc="http://schemas.openxmlformats.org/markup-compatibility/2006">
-        <mc:Choice xmlns:a14="http://schemas.microsoft.com/office/drawing/2010/main" Requires="a14">
+      <mc:AlternateContent xmlns:mc="http://schemas.openxmlformats.org/markup-compatibility/2006" xmlns:a14="http://schemas.microsoft.com/office/drawing/2010/main">
+        <mc:Choice Requires="a14">
           <p:sp>
             <p:nvSpPr>
               <p:cNvPr id="3" name="Content Placeholder 2">
@@ -13658,7 +13658,7 @@
             </p:txBody>
           </p:sp>
         </mc:Choice>
-        <mc:Fallback>
+        <mc:Fallback xmlns="">
           <p:sp>
             <p:nvSpPr>
               <p:cNvPr id="3" name="Content Placeholder 2">

--- a/slides/day 1/D1C2_LR_introANNs.pptx
+++ b/slides/day 1/D1C2_LR_introANNs.pptx
@@ -5,7 +5,7 @@
     <p:sldMasterId id="2147483648" r:id="rId1"/>
   </p:sldMasterIdLst>
   <p:notesMasterIdLst>
-    <p:notesMasterId r:id="rId29"/>
+    <p:notesMasterId r:id="rId28"/>
   </p:notesMasterIdLst>
   <p:sldIdLst>
     <p:sldId id="256" r:id="rId2"/>
@@ -27,14 +27,13 @@
     <p:sldId id="274" r:id="rId18"/>
     <p:sldId id="275" r:id="rId19"/>
     <p:sldId id="277" r:id="rId20"/>
-    <p:sldId id="278" r:id="rId21"/>
-    <p:sldId id="280" r:id="rId22"/>
-    <p:sldId id="284" r:id="rId23"/>
-    <p:sldId id="282" r:id="rId24"/>
-    <p:sldId id="285" r:id="rId25"/>
-    <p:sldId id="286" r:id="rId26"/>
-    <p:sldId id="297" r:id="rId27"/>
-    <p:sldId id="298" r:id="rId28"/>
+    <p:sldId id="280" r:id="rId21"/>
+    <p:sldId id="284" r:id="rId22"/>
+    <p:sldId id="282" r:id="rId23"/>
+    <p:sldId id="285" r:id="rId24"/>
+    <p:sldId id="286" r:id="rId25"/>
+    <p:sldId id="297" r:id="rId26"/>
+    <p:sldId id="298" r:id="rId27"/>
   </p:sldIdLst>
   <p:sldSz cx="12192000" cy="6858000"/>
   <p:notesSz cx="6858000" cy="9144000"/>
@@ -10052,7 +10051,7 @@
           <p:cNvPr id="2" name="Title 1">
             <a:extLst>
               <a:ext uri="{FF2B5EF4-FFF2-40B4-BE49-F238E27FC236}">
-                <a16:creationId xmlns:a16="http://schemas.microsoft.com/office/drawing/2014/main" id="{A309F1D9-2DF8-B555-E215-87CDD1AD0732}"/>
+                <a16:creationId xmlns:a16="http://schemas.microsoft.com/office/drawing/2014/main" id="{0B4DB222-68CC-60AA-CCAA-92FF3EBC17B8}"/>
               </a:ext>
             </a:extLst>
           </p:cNvPr>
@@ -10070,142 +10069,49 @@
           <a:p>
             <a:r>
               <a:rPr lang="en-US" dirty="0"/>
-              <a:t>Building a simple network</a:t>
+              <a:t>Quiz Time – Check Your Understanding</a:t>
             </a:r>
           </a:p>
         </p:txBody>
       </p:sp>
-      <mc:AlternateContent xmlns:mc="http://schemas.openxmlformats.org/markup-compatibility/2006" xmlns:a14="http://schemas.microsoft.com/office/drawing/2010/main">
-        <mc:Choice Requires="a14">
-          <p:sp>
-            <p:nvSpPr>
-              <p:cNvPr id="3" name="Content Placeholder 2">
-                <a:extLst>
-                  <a:ext uri="{FF2B5EF4-FFF2-40B4-BE49-F238E27FC236}">
-                    <a16:creationId xmlns:a16="http://schemas.microsoft.com/office/drawing/2014/main" id="{57171B72-2E0E-6ABA-AEA4-184B23773E82}"/>
-                  </a:ext>
-                </a:extLst>
-              </p:cNvPr>
-              <p:cNvSpPr>
-                <a:spLocks noGrp="1"/>
-              </p:cNvSpPr>
-              <p:nvPr>
-                <p:ph idx="1"/>
-              </p:nvPr>
-            </p:nvSpPr>
-            <p:spPr/>
-            <p:txBody>
-              <a:bodyPr/>
-              <a:lstStyle/>
-              <a:p>
-                <a:r>
-                  <a:rPr lang="en-US" dirty="0"/>
-                  <a:t>Input: 2-d vector </a:t>
-                </a:r>
-                <a14:m>
-                  <m:oMath xmlns:m="http://schemas.openxmlformats.org/officeDocument/2006/math">
-                    <m:r>
-                      <a:rPr lang="en-US" i="1" dirty="0" smtClean="0">
-                        <a:latin typeface="Cambria Math" panose="02040503050406030204" pitchFamily="18" charset="0"/>
-                      </a:rPr>
-                      <m:t>𝑥</m:t>
-                    </m:r>
-                  </m:oMath>
-                </a14:m>
-                <a:endParaRPr lang="en-US" dirty="0"/>
-              </a:p>
-              <a:p>
-                <a:r>
-                  <a:rPr lang="en-US" dirty="0"/>
-                  <a:t>Linear transform: </a:t>
-                </a:r>
-                <a14:m>
-                  <m:oMath xmlns:m="http://schemas.openxmlformats.org/officeDocument/2006/math">
-                    <m:r>
-                      <a:rPr lang="en-US" i="1" dirty="0" smtClean="0">
-                        <a:latin typeface="Cambria Math" panose="02040503050406030204" pitchFamily="18" charset="0"/>
-                      </a:rPr>
-                      <m:t>𝑊</m:t>
-                    </m:r>
-                  </m:oMath>
-                </a14:m>
-                <a:r>
-                  <a:rPr lang="en-US" dirty="0"/>
-                  <a:t>, </a:t>
-                </a:r>
-                <a14:m>
-                  <m:oMath xmlns:m="http://schemas.openxmlformats.org/officeDocument/2006/math">
-                    <m:r>
-                      <a:rPr lang="en-US" i="1" dirty="0" smtClean="0">
-                        <a:latin typeface="Cambria Math" panose="02040503050406030204" pitchFamily="18" charset="0"/>
-                      </a:rPr>
-                      <m:t>𝑏</m:t>
-                    </m:r>
-                  </m:oMath>
-                </a14:m>
-                <a:endParaRPr lang="en-US" dirty="0"/>
-              </a:p>
-              <a:p>
-                <a:r>
-                  <a:rPr lang="en-US" dirty="0"/>
-                  <a:t>ReLU activation</a:t>
-                </a:r>
-              </a:p>
-              <a:p>
-                <a:r>
-                  <a:rPr lang="en-US" dirty="0"/>
-                  <a:t>Output: 2-d hidden representation</a:t>
-                </a:r>
-              </a:p>
-            </p:txBody>
-          </p:sp>
-        </mc:Choice>
-        <mc:Fallback xmlns="">
-          <p:sp>
-            <p:nvSpPr>
-              <p:cNvPr id="3" name="Content Placeholder 2">
-                <a:extLst>
-                  <a:ext uri="{FF2B5EF4-FFF2-40B4-BE49-F238E27FC236}">
-                    <a16:creationId xmlns:a16="http://schemas.microsoft.com/office/drawing/2014/main" id="{57171B72-2E0E-6ABA-AEA4-184B23773E82}"/>
-                  </a:ext>
-                </a:extLst>
-              </p:cNvPr>
-              <p:cNvSpPr>
-                <a:spLocks noGrp="1" noRot="1" noChangeAspect="1" noMove="1" noResize="1" noEditPoints="1" noAdjustHandles="1" noChangeArrowheads="1" noChangeShapeType="1" noTextEdit="1"/>
-              </p:cNvSpPr>
-              <p:nvPr>
-                <p:ph idx="1"/>
-              </p:nvPr>
-            </p:nvSpPr>
-            <p:spPr>
-              <a:blipFill>
-                <a:blip r:embed="rId2"/>
-                <a:stretch>
-                  <a:fillRect l="-1368" t="-2439"/>
-                </a:stretch>
-              </a:blipFill>
-            </p:spPr>
-            <p:txBody>
-              <a:bodyPr/>
-              <a:lstStyle/>
-              <a:p>
-                <a:r>
-                  <a:rPr lang="en-US">
-                    <a:noFill/>
-                  </a:rPr>
-                  <a:t> </a:t>
-                </a:r>
-              </a:p>
-            </p:txBody>
-          </p:sp>
-        </mc:Fallback>
-      </mc:AlternateContent>
+      <p:sp>
+        <p:nvSpPr>
+          <p:cNvPr id="3" name="Content Placeholder 2">
+            <a:extLst>
+              <a:ext uri="{FF2B5EF4-FFF2-40B4-BE49-F238E27FC236}">
+                <a16:creationId xmlns:a16="http://schemas.microsoft.com/office/drawing/2014/main" id="{DBB27D07-79B5-64BC-4645-492301B1BE82}"/>
+              </a:ext>
+            </a:extLst>
+          </p:cNvPr>
+          <p:cNvSpPr>
+            <a:spLocks noGrp="1"/>
+          </p:cNvSpPr>
+          <p:nvPr>
+            <p:ph idx="1"/>
+          </p:nvPr>
+        </p:nvSpPr>
+        <p:spPr/>
+        <p:txBody>
+          <a:bodyPr/>
+          <a:lstStyle/>
+          <a:p>
+            <a:r>
+              <a:rPr lang="en-US" dirty="0">
+                <a:solidFill>
+                  <a:srgbClr val="009749"/>
+                </a:solidFill>
+              </a:rPr>
+              <a:t>Exercise: how many weights in a neural net with 4 inputs, 1 output and 3 hidden neurons across each of 2 hidden layers?</a:t>
+            </a:r>
+          </a:p>
+        </p:txBody>
+      </p:sp>
       <p:sp>
         <p:nvSpPr>
           <p:cNvPr id="4" name="Slide Number Placeholder 3">
             <a:extLst>
               <a:ext uri="{FF2B5EF4-FFF2-40B4-BE49-F238E27FC236}">
-                <a16:creationId xmlns:a16="http://schemas.microsoft.com/office/drawing/2014/main" id="{0B0625E6-8BC2-C205-527E-7A556B57312A}"/>
+                <a16:creationId xmlns:a16="http://schemas.microsoft.com/office/drawing/2014/main" id="{8E6F1295-7270-2E68-1160-31D323D1EC30}"/>
               </a:ext>
             </a:extLst>
           </p:cNvPr>
@@ -10232,7 +10138,7 @@
     </p:spTree>
     <p:extLst>
       <p:ext uri="{BB962C8B-B14F-4D97-AF65-F5344CB8AC3E}">
-        <p14:creationId xmlns:p14="http://schemas.microsoft.com/office/powerpoint/2010/main" val="4047050542"/>
+        <p14:creationId xmlns:p14="http://schemas.microsoft.com/office/powerpoint/2010/main" val="1785516979"/>
       </p:ext>
     </p:extLst>
   </p:cSld>
@@ -10264,7 +10170,7 @@
           <p:cNvPr id="2" name="Title 1">
             <a:extLst>
               <a:ext uri="{FF2B5EF4-FFF2-40B4-BE49-F238E27FC236}">
-                <a16:creationId xmlns:a16="http://schemas.microsoft.com/office/drawing/2014/main" id="{0B4DB222-68CC-60AA-CCAA-92FF3EBC17B8}"/>
+                <a16:creationId xmlns:a16="http://schemas.microsoft.com/office/drawing/2014/main" id="{5A499AFC-C4A5-6623-D6A1-C3D2BF4B203B}"/>
               </a:ext>
             </a:extLst>
           </p:cNvPr>
@@ -10282,7 +10188,7 @@
           <a:p>
             <a:r>
               <a:rPr lang="en-US" dirty="0"/>
-              <a:t>Quiz Time – Check Your Understanding</a:t>
+              <a:t>Common pitfalls</a:t>
             </a:r>
           </a:p>
         </p:txBody>
@@ -10292,7 +10198,7 @@
           <p:cNvPr id="3" name="Content Placeholder 2">
             <a:extLst>
               <a:ext uri="{FF2B5EF4-FFF2-40B4-BE49-F238E27FC236}">
-                <a16:creationId xmlns:a16="http://schemas.microsoft.com/office/drawing/2014/main" id="{DBB27D07-79B5-64BC-4645-492301B1BE82}"/>
+                <a16:creationId xmlns:a16="http://schemas.microsoft.com/office/drawing/2014/main" id="{2444770E-3C97-6C94-66DF-E608F3577706}"/>
               </a:ext>
             </a:extLst>
           </p:cNvPr>
@@ -10309,12 +10215,32 @@
           <a:lstStyle/>
           <a:p>
             <a:r>
-              <a:rPr lang="en-US" dirty="0">
-                <a:solidFill>
-                  <a:srgbClr val="009749"/>
-                </a:solidFill>
-              </a:rPr>
-              <a:t>Exercise: how many weights in a neural net with 4 inputs, 1 output and 3 hidden neurons across each of 2 hidden layers?</a:t>
+              <a:rPr lang="en-US" dirty="0"/>
+              <a:t>Forgetting bias</a:t>
+            </a:r>
+          </a:p>
+          <a:p>
+            <a:r>
+              <a:rPr lang="en-US" dirty="0"/>
+              <a:t>Confusing dimensions</a:t>
+            </a:r>
+          </a:p>
+          <a:p>
+            <a:r>
+              <a:rPr lang="en-US" dirty="0"/>
+              <a:t>Applying wrong (or inappropriate) activation function</a:t>
+            </a:r>
+          </a:p>
+          <a:p>
+            <a:r>
+              <a:rPr lang="en-US" dirty="0"/>
+              <a:t>Bad learning rates</a:t>
+            </a:r>
+          </a:p>
+          <a:p>
+            <a:r>
+              <a:rPr lang="en-US" dirty="0"/>
+              <a:t>Check, check, and check again (and use LLMs to help)</a:t>
             </a:r>
           </a:p>
         </p:txBody>
@@ -10324,7 +10250,7 @@
           <p:cNvPr id="4" name="Slide Number Placeholder 3">
             <a:extLst>
               <a:ext uri="{FF2B5EF4-FFF2-40B4-BE49-F238E27FC236}">
-                <a16:creationId xmlns:a16="http://schemas.microsoft.com/office/drawing/2014/main" id="{8E6F1295-7270-2E68-1160-31D323D1EC30}"/>
+                <a16:creationId xmlns:a16="http://schemas.microsoft.com/office/drawing/2014/main" id="{75A88B77-ED9D-ABB9-39DC-483248935775}"/>
               </a:ext>
             </a:extLst>
           </p:cNvPr>
@@ -10351,7 +10277,7 @@
     </p:spTree>
     <p:extLst>
       <p:ext uri="{BB962C8B-B14F-4D97-AF65-F5344CB8AC3E}">
-        <p14:creationId xmlns:p14="http://schemas.microsoft.com/office/powerpoint/2010/main" val="1785516979"/>
+        <p14:creationId xmlns:p14="http://schemas.microsoft.com/office/powerpoint/2010/main" val="345379545"/>
       </p:ext>
     </p:extLst>
   </p:cSld>
@@ -10383,7 +10309,7 @@
           <p:cNvPr id="2" name="Title 1">
             <a:extLst>
               <a:ext uri="{FF2B5EF4-FFF2-40B4-BE49-F238E27FC236}">
-                <a16:creationId xmlns:a16="http://schemas.microsoft.com/office/drawing/2014/main" id="{5A499AFC-C4A5-6623-D6A1-C3D2BF4B203B}"/>
+                <a16:creationId xmlns:a16="http://schemas.microsoft.com/office/drawing/2014/main" id="{1613F17F-746B-E667-3B63-9BDAFFC59948}"/>
               </a:ext>
             </a:extLst>
           </p:cNvPr>
@@ -10401,7 +10327,7 @@
           <a:p>
             <a:r>
               <a:rPr lang="en-US" dirty="0"/>
-              <a:t>Common pitfalls</a:t>
+              <a:t>A neural network for weather data</a:t>
             </a:r>
           </a:p>
         </p:txBody>
@@ -10411,7 +10337,7 @@
           <p:cNvPr id="3" name="Content Placeholder 2">
             <a:extLst>
               <a:ext uri="{FF2B5EF4-FFF2-40B4-BE49-F238E27FC236}">
-                <a16:creationId xmlns:a16="http://schemas.microsoft.com/office/drawing/2014/main" id="{2444770E-3C97-6C94-66DF-E608F3577706}"/>
+                <a16:creationId xmlns:a16="http://schemas.microsoft.com/office/drawing/2014/main" id="{195283CA-66FE-1EA0-67BE-FCA3BAEE5DD5}"/>
               </a:ext>
             </a:extLst>
           </p:cNvPr>
@@ -10424,36 +10350,42 @@
         </p:nvSpPr>
         <p:spPr/>
         <p:txBody>
-          <a:bodyPr/>
+          <a:bodyPr>
+            <a:normAutofit lnSpcReduction="10000"/>
+          </a:bodyPr>
           <a:lstStyle/>
           <a:p>
             <a:r>
               <a:rPr lang="en-US" dirty="0"/>
-              <a:t>Forgetting bias</a:t>
+              <a:t>Inputs = today’s temperature, humidity, wind speed...</a:t>
             </a:r>
           </a:p>
           <a:p>
             <a:r>
               <a:rPr lang="en-US" dirty="0"/>
-              <a:t>Confusing dimensions</a:t>
+              <a:t>Outputs = tomorrow’s temperature, humidity, wind speed</a:t>
             </a:r>
           </a:p>
           <a:p>
             <a:r>
               <a:rPr lang="en-US" dirty="0"/>
-              <a:t>Applying wrong (or inappropriate) activation function</a:t>
+              <a:t>NNs can learn the spatial and temporal patterns</a:t>
             </a:r>
           </a:p>
           <a:p>
             <a:r>
               <a:rPr lang="en-US" dirty="0"/>
-              <a:t>Bad learning rates</a:t>
+              <a:t>Next lecture: discover how NNs learn the weights and the biases from data</a:t>
             </a:r>
           </a:p>
           <a:p>
+            <a:r>
+              <a:rPr lang="en-IE" dirty="0"/>
+              <a:t>In real-world NNs there are many neurons at different layers of the architecture. Each has its own </a:t>
+            </a:r>
             <a:r>
               <a:rPr lang="en-US" dirty="0"/>
-              <a:t>Check, check, and check again (and use LLMs to help)</a:t>
+              <a:t>weights and biases</a:t>
             </a:r>
           </a:p>
         </p:txBody>
@@ -10463,7 +10395,7 @@
           <p:cNvPr id="4" name="Slide Number Placeholder 3">
             <a:extLst>
               <a:ext uri="{FF2B5EF4-FFF2-40B4-BE49-F238E27FC236}">
-                <a16:creationId xmlns:a16="http://schemas.microsoft.com/office/drawing/2014/main" id="{75A88B77-ED9D-ABB9-39DC-483248935775}"/>
+                <a16:creationId xmlns:a16="http://schemas.microsoft.com/office/drawing/2014/main" id="{8A8AFC83-215F-7FA4-27C2-4A899B65E26B}"/>
               </a:ext>
             </a:extLst>
           </p:cNvPr>
@@ -10490,7 +10422,7 @@
     </p:spTree>
     <p:extLst>
       <p:ext uri="{BB962C8B-B14F-4D97-AF65-F5344CB8AC3E}">
-        <p14:creationId xmlns:p14="http://schemas.microsoft.com/office/powerpoint/2010/main" val="345379545"/>
+        <p14:creationId xmlns:p14="http://schemas.microsoft.com/office/powerpoint/2010/main" val="2447611132"/>
       </p:ext>
     </p:extLst>
   </p:cSld>
@@ -10522,7 +10454,7 @@
           <p:cNvPr id="2" name="Title 1">
             <a:extLst>
               <a:ext uri="{FF2B5EF4-FFF2-40B4-BE49-F238E27FC236}">
-                <a16:creationId xmlns:a16="http://schemas.microsoft.com/office/drawing/2014/main" id="{1613F17F-746B-E667-3B63-9BDAFFC59948}"/>
+                <a16:creationId xmlns:a16="http://schemas.microsoft.com/office/drawing/2014/main" id="{590518CF-589F-36E6-7720-D982CED5BB98}"/>
               </a:ext>
             </a:extLst>
           </p:cNvPr>
@@ -10540,7 +10472,7 @@
           <a:p>
             <a:r>
               <a:rPr lang="en-US" dirty="0"/>
-              <a:t>A neural network for weather data</a:t>
+              <a:t>Next class: training</a:t>
             </a:r>
           </a:p>
         </p:txBody>
@@ -10550,7 +10482,7 @@
           <p:cNvPr id="3" name="Content Placeholder 2">
             <a:extLst>
               <a:ext uri="{FF2B5EF4-FFF2-40B4-BE49-F238E27FC236}">
-                <a16:creationId xmlns:a16="http://schemas.microsoft.com/office/drawing/2014/main" id="{195283CA-66FE-1EA0-67BE-FCA3BAEE5DD5}"/>
+                <a16:creationId xmlns:a16="http://schemas.microsoft.com/office/drawing/2014/main" id="{0BD1E2CA-EDCA-E515-16D1-FF9E2DA8CAE4}"/>
               </a:ext>
             </a:extLst>
           </p:cNvPr>
@@ -10564,41 +10496,25 @@
         <p:spPr/>
         <p:txBody>
           <a:bodyPr>
-            <a:normAutofit lnSpcReduction="10000"/>
+            <a:normAutofit/>
           </a:bodyPr>
           <a:lstStyle/>
           <a:p>
             <a:r>
               <a:rPr lang="en-US" dirty="0"/>
-              <a:t>Inputs = today’s temperature, humidity, wind speed...</a:t>
+              <a:t>So far: forward pass only. i.e. taking weights and biases, and getting to the outputs</a:t>
             </a:r>
           </a:p>
           <a:p>
             <a:r>
               <a:rPr lang="en-US" dirty="0"/>
-              <a:t>Outputs = tomorrow’s temperature, humidity, wind speed</a:t>
+              <a:t>Next: how do we learn weights?</a:t>
             </a:r>
           </a:p>
           <a:p>
             <a:r>
               <a:rPr lang="en-US" dirty="0"/>
-              <a:t>NNs can learn the spatial and temporal patterns</a:t>
-            </a:r>
-          </a:p>
-          <a:p>
-            <a:r>
-              <a:rPr lang="en-US" dirty="0"/>
-              <a:t>Next lecture: discover how NNs learn the weights and the biases from data</a:t>
-            </a:r>
-          </a:p>
-          <a:p>
-            <a:r>
-              <a:rPr lang="en-IE" dirty="0"/>
-              <a:t>In real-world NNs there are many neurons at different layers of the architecture. Each has its own </a:t>
-            </a:r>
-            <a:r>
-              <a:rPr lang="en-US" dirty="0"/>
-              <a:t>weights and biases</a:t>
+              <a:t>Concepts of loss, gradients, updates</a:t>
             </a:r>
           </a:p>
         </p:txBody>
@@ -10608,7 +10524,7 @@
           <p:cNvPr id="4" name="Slide Number Placeholder 3">
             <a:extLst>
               <a:ext uri="{FF2B5EF4-FFF2-40B4-BE49-F238E27FC236}">
-                <a16:creationId xmlns:a16="http://schemas.microsoft.com/office/drawing/2014/main" id="{8A8AFC83-215F-7FA4-27C2-4A899B65E26B}"/>
+                <a16:creationId xmlns:a16="http://schemas.microsoft.com/office/drawing/2014/main" id="{45832799-2A24-F49A-CEB4-96F76E35E707}"/>
               </a:ext>
             </a:extLst>
           </p:cNvPr>
@@ -10635,7 +10551,7 @@
     </p:spTree>
     <p:extLst>
       <p:ext uri="{BB962C8B-B14F-4D97-AF65-F5344CB8AC3E}">
-        <p14:creationId xmlns:p14="http://schemas.microsoft.com/office/powerpoint/2010/main" val="2447611132"/>
+        <p14:creationId xmlns:p14="http://schemas.microsoft.com/office/powerpoint/2010/main" val="2545315002"/>
       </p:ext>
     </p:extLst>
   </p:cSld>
@@ -10667,7 +10583,7 @@
           <p:cNvPr id="2" name="Title 1">
             <a:extLst>
               <a:ext uri="{FF2B5EF4-FFF2-40B4-BE49-F238E27FC236}">
-                <a16:creationId xmlns:a16="http://schemas.microsoft.com/office/drawing/2014/main" id="{590518CF-589F-36E6-7720-D982CED5BB98}"/>
+                <a16:creationId xmlns:a16="http://schemas.microsoft.com/office/drawing/2014/main" id="{C612F52A-9D3D-9F47-5EE5-8C0B23884DC4}"/>
               </a:ext>
             </a:extLst>
           </p:cNvPr>
@@ -10685,7 +10601,7 @@
           <a:p>
             <a:r>
               <a:rPr lang="en-US" dirty="0"/>
-              <a:t>Next class: training</a:t>
+              <a:t>Summary</a:t>
             </a:r>
           </a:p>
         </p:txBody>
@@ -10695,7 +10611,7 @@
           <p:cNvPr id="3" name="Content Placeholder 2">
             <a:extLst>
               <a:ext uri="{FF2B5EF4-FFF2-40B4-BE49-F238E27FC236}">
-                <a16:creationId xmlns:a16="http://schemas.microsoft.com/office/drawing/2014/main" id="{0BD1E2CA-EDCA-E515-16D1-FF9E2DA8CAE4}"/>
+                <a16:creationId xmlns:a16="http://schemas.microsoft.com/office/drawing/2014/main" id="{C66DCF8C-8F21-6B68-1EFF-48ED27F0ADBC}"/>
               </a:ext>
             </a:extLst>
           </p:cNvPr>
@@ -10709,25 +10625,45 @@
         <p:spPr/>
         <p:txBody>
           <a:bodyPr>
-            <a:normAutofit/>
+            <a:normAutofit lnSpcReduction="10000"/>
           </a:bodyPr>
           <a:lstStyle/>
           <a:p>
             <a:r>
               <a:rPr lang="en-US" dirty="0"/>
-              <a:t>So far: forward pass only. i.e. taking weights and biases, and getting to the outputs</a:t>
+              <a:t>A neural network is just a fancy linear regression with extra hidden nodes</a:t>
             </a:r>
           </a:p>
           <a:p>
             <a:r>
               <a:rPr lang="en-US" dirty="0"/>
-              <a:t>Next: how do we learn weights?</a:t>
+              <a:t>These hidden nodes can capture much more flexible </a:t>
             </a:r>
-          </a:p>
-          <a:p>
+            <a:r>
+              <a:rPr lang="en-US" dirty="0" err="1"/>
+              <a:t>behaviour</a:t>
+            </a:r>
             <a:r>
               <a:rPr lang="en-US" dirty="0"/>
-              <a:t>Concepts of loss, gradients, updates</a:t>
+              <a:t> than the basic LR</a:t>
+            </a:r>
+          </a:p>
+          <a:p>
+            <a:r>
+              <a:rPr lang="en-US" dirty="0"/>
+              <a:t>Most of the (forward) calculations are just matrix multiplication of weights and biases</a:t>
+            </a:r>
+          </a:p>
+          <a:p>
+            <a:r>
+              <a:rPr lang="en-US" dirty="0"/>
+              <a:t>We use activation functions to allow more flexibility (and especially sparsity) in the way the values are modelled</a:t>
+            </a:r>
+          </a:p>
+          <a:p>
+            <a:r>
+              <a:rPr lang="en-US" dirty="0"/>
+              <a:t>Tomorrow: how do we estimate the weights? </a:t>
             </a:r>
           </a:p>
         </p:txBody>
@@ -10737,7 +10673,7 @@
           <p:cNvPr id="4" name="Slide Number Placeholder 3">
             <a:extLst>
               <a:ext uri="{FF2B5EF4-FFF2-40B4-BE49-F238E27FC236}">
-                <a16:creationId xmlns:a16="http://schemas.microsoft.com/office/drawing/2014/main" id="{45832799-2A24-F49A-CEB4-96F76E35E707}"/>
+                <a16:creationId xmlns:a16="http://schemas.microsoft.com/office/drawing/2014/main" id="{1A777BFB-75BB-82D2-9ACA-EE3C00E6E9BE}"/>
               </a:ext>
             </a:extLst>
           </p:cNvPr>
@@ -10764,7 +10700,7 @@
     </p:spTree>
     <p:extLst>
       <p:ext uri="{BB962C8B-B14F-4D97-AF65-F5344CB8AC3E}">
-        <p14:creationId xmlns:p14="http://schemas.microsoft.com/office/powerpoint/2010/main" val="2545315002"/>
+        <p14:creationId xmlns:p14="http://schemas.microsoft.com/office/powerpoint/2010/main" val="392311603"/>
       </p:ext>
     </p:extLst>
   </p:cSld>
@@ -10796,155 +10732,6 @@
           <p:cNvPr id="2" name="Title 1">
             <a:extLst>
               <a:ext uri="{FF2B5EF4-FFF2-40B4-BE49-F238E27FC236}">
-                <a16:creationId xmlns:a16="http://schemas.microsoft.com/office/drawing/2014/main" id="{C612F52A-9D3D-9F47-5EE5-8C0B23884DC4}"/>
-              </a:ext>
-            </a:extLst>
-          </p:cNvPr>
-          <p:cNvSpPr>
-            <a:spLocks noGrp="1"/>
-          </p:cNvSpPr>
-          <p:nvPr>
-            <p:ph type="title"/>
-          </p:nvPr>
-        </p:nvSpPr>
-        <p:spPr/>
-        <p:txBody>
-          <a:bodyPr/>
-          <a:lstStyle/>
-          <a:p>
-            <a:r>
-              <a:rPr lang="en-US" dirty="0"/>
-              <a:t>Summary</a:t>
-            </a:r>
-          </a:p>
-        </p:txBody>
-      </p:sp>
-      <p:sp>
-        <p:nvSpPr>
-          <p:cNvPr id="3" name="Content Placeholder 2">
-            <a:extLst>
-              <a:ext uri="{FF2B5EF4-FFF2-40B4-BE49-F238E27FC236}">
-                <a16:creationId xmlns:a16="http://schemas.microsoft.com/office/drawing/2014/main" id="{C66DCF8C-8F21-6B68-1EFF-48ED27F0ADBC}"/>
-              </a:ext>
-            </a:extLst>
-          </p:cNvPr>
-          <p:cNvSpPr>
-            <a:spLocks noGrp="1"/>
-          </p:cNvSpPr>
-          <p:nvPr>
-            <p:ph idx="1"/>
-          </p:nvPr>
-        </p:nvSpPr>
-        <p:spPr/>
-        <p:txBody>
-          <a:bodyPr>
-            <a:normAutofit lnSpcReduction="10000"/>
-          </a:bodyPr>
-          <a:lstStyle/>
-          <a:p>
-            <a:r>
-              <a:rPr lang="en-US" dirty="0"/>
-              <a:t>A neural network is just a fancy linear regression with extra hidden nodes</a:t>
-            </a:r>
-          </a:p>
-          <a:p>
-            <a:r>
-              <a:rPr lang="en-US" dirty="0"/>
-              <a:t>These hidden nodes can capture much more flexible </a:t>
-            </a:r>
-            <a:r>
-              <a:rPr lang="en-US" dirty="0" err="1"/>
-              <a:t>behaviour</a:t>
-            </a:r>
-            <a:r>
-              <a:rPr lang="en-US" dirty="0"/>
-              <a:t> than the basic LR</a:t>
-            </a:r>
-          </a:p>
-          <a:p>
-            <a:r>
-              <a:rPr lang="en-US" dirty="0"/>
-              <a:t>Most of the (forward) calculations are just matrix multiplication of weights and biases</a:t>
-            </a:r>
-          </a:p>
-          <a:p>
-            <a:r>
-              <a:rPr lang="en-US" dirty="0"/>
-              <a:t>We use activation functions to allow more flexibility (and especially sparsity) in the way the values are modelled</a:t>
-            </a:r>
-          </a:p>
-          <a:p>
-            <a:r>
-              <a:rPr lang="en-US" dirty="0"/>
-              <a:t>Tomorrow: how do we estimate the weights? </a:t>
-            </a:r>
-          </a:p>
-        </p:txBody>
-      </p:sp>
-      <p:sp>
-        <p:nvSpPr>
-          <p:cNvPr id="4" name="Slide Number Placeholder 3">
-            <a:extLst>
-              <a:ext uri="{FF2B5EF4-FFF2-40B4-BE49-F238E27FC236}">
-                <a16:creationId xmlns:a16="http://schemas.microsoft.com/office/drawing/2014/main" id="{1A777BFB-75BB-82D2-9ACA-EE3C00E6E9BE}"/>
-              </a:ext>
-            </a:extLst>
-          </p:cNvPr>
-          <p:cNvSpPr>
-            <a:spLocks noGrp="1"/>
-          </p:cNvSpPr>
-          <p:nvPr>
-            <p:ph type="sldNum" sz="quarter" idx="12"/>
-          </p:nvPr>
-        </p:nvSpPr>
-        <p:spPr/>
-        <p:txBody>
-          <a:bodyPr/>
-          <a:lstStyle/>
-          <a:p>
-            <a:fld id="{8E65201D-48DB-3B45-ABC2-018B1E66F34C}" type="slidenum">
-              <a:rPr lang="en-US" smtClean="0"/>
-              <a:t>25</a:t>
-            </a:fld>
-            <a:endParaRPr lang="en-US"/>
-          </a:p>
-        </p:txBody>
-      </p:sp>
-    </p:spTree>
-    <p:extLst>
-      <p:ext uri="{BB962C8B-B14F-4D97-AF65-F5344CB8AC3E}">
-        <p14:creationId xmlns:p14="http://schemas.microsoft.com/office/powerpoint/2010/main" val="392311603"/>
-      </p:ext>
-    </p:extLst>
-  </p:cSld>
-  <p:clrMapOvr>
-    <a:masterClrMapping/>
-  </p:clrMapOvr>
-</p:sld>
-</file>
-
-<file path=ppt/slides/slide26.xml><?xml version="1.0" encoding="utf-8"?>
-<p:sld xmlns:a="http://schemas.openxmlformats.org/drawingml/2006/main" xmlns:r="http://schemas.openxmlformats.org/officeDocument/2006/relationships" xmlns:p="http://schemas.openxmlformats.org/presentationml/2006/main">
-  <p:cSld>
-    <p:spTree>
-      <p:nvGrpSpPr>
-        <p:cNvPr id="1" name=""/>
-        <p:cNvGrpSpPr/>
-        <p:nvPr/>
-      </p:nvGrpSpPr>
-      <p:grpSpPr>
-        <a:xfrm>
-          <a:off x="0" y="0"/>
-          <a:ext cx="0" cy="0"/>
-          <a:chOff x="0" y="0"/>
-          <a:chExt cx="0" cy="0"/>
-        </a:xfrm>
-      </p:grpSpPr>
-      <p:sp>
-        <p:nvSpPr>
-          <p:cNvPr id="2" name="Title 1">
-            <a:extLst>
-              <a:ext uri="{FF2B5EF4-FFF2-40B4-BE49-F238E27FC236}">
                 <a16:creationId xmlns:a16="http://schemas.microsoft.com/office/drawing/2014/main" id="{5272E10E-525F-42F7-F943-C6C1FF1B7CC1}"/>
               </a:ext>
             </a:extLst>
@@ -11016,7 +10803,7 @@
 </p:sld>
 </file>
 
-<file path=ppt/slides/slide27.xml><?xml version="1.0" encoding="utf-8"?>
+<file path=ppt/slides/slide26.xml><?xml version="1.0" encoding="utf-8"?>
 <p:sld xmlns:a="http://schemas.openxmlformats.org/drawingml/2006/main" xmlns:r="http://schemas.openxmlformats.org/officeDocument/2006/relationships" xmlns:p="http://schemas.openxmlformats.org/presentationml/2006/main">
   <p:cSld>
     <p:spTree>
